--- a/SEO Project.pptx
+++ b/SEO Project.pptx
@@ -116,6 +116,11 @@
       </a:defRPr>
     </a:lvl9pPr>
   </p:defaultTextStyle>
+  <p:extLst>
+    <p:ext uri="{EFAFB233-063F-42B5-8137-9DF3F51BA10A}">
+      <p15:sldGuideLst xmlns:p15="http://schemas.microsoft.com/office/powerpoint/2012/main"/>
+    </p:ext>
+  </p:extLst>
 </p:presentation>
 </file>
 
@@ -268,7 +273,7 @@
           <a:p>
             <a:fld id="{C4D4ED0E-ECC9-4380-8961-4E39140F52DB}" type="datetimeFigureOut">
               <a:rPr lang="en-IN" smtClean="0"/>
-              <a:t>23-08-2024</a:t>
+              <a:t>24-08-2024</a:t>
             </a:fld>
             <a:endParaRPr lang="en-IN"/>
           </a:p>
@@ -468,7 +473,7 @@
           <a:p>
             <a:fld id="{C4D4ED0E-ECC9-4380-8961-4E39140F52DB}" type="datetimeFigureOut">
               <a:rPr lang="en-IN" smtClean="0"/>
-              <a:t>23-08-2024</a:t>
+              <a:t>24-08-2024</a:t>
             </a:fld>
             <a:endParaRPr lang="en-IN"/>
           </a:p>
@@ -678,7 +683,7 @@
           <a:p>
             <a:fld id="{C4D4ED0E-ECC9-4380-8961-4E39140F52DB}" type="datetimeFigureOut">
               <a:rPr lang="en-IN" smtClean="0"/>
-              <a:t>23-08-2024</a:t>
+              <a:t>24-08-2024</a:t>
             </a:fld>
             <a:endParaRPr lang="en-IN"/>
           </a:p>
@@ -878,7 +883,7 @@
           <a:p>
             <a:fld id="{C4D4ED0E-ECC9-4380-8961-4E39140F52DB}" type="datetimeFigureOut">
               <a:rPr lang="en-IN" smtClean="0"/>
-              <a:t>23-08-2024</a:t>
+              <a:t>24-08-2024</a:t>
             </a:fld>
             <a:endParaRPr lang="en-IN"/>
           </a:p>
@@ -1154,7 +1159,7 @@
           <a:p>
             <a:fld id="{C4D4ED0E-ECC9-4380-8961-4E39140F52DB}" type="datetimeFigureOut">
               <a:rPr lang="en-IN" smtClean="0"/>
-              <a:t>23-08-2024</a:t>
+              <a:t>24-08-2024</a:t>
             </a:fld>
             <a:endParaRPr lang="en-IN"/>
           </a:p>
@@ -1422,7 +1427,7 @@
           <a:p>
             <a:fld id="{C4D4ED0E-ECC9-4380-8961-4E39140F52DB}" type="datetimeFigureOut">
               <a:rPr lang="en-IN" smtClean="0"/>
-              <a:t>23-08-2024</a:t>
+              <a:t>24-08-2024</a:t>
             </a:fld>
             <a:endParaRPr lang="en-IN"/>
           </a:p>
@@ -1837,7 +1842,7 @@
           <a:p>
             <a:fld id="{C4D4ED0E-ECC9-4380-8961-4E39140F52DB}" type="datetimeFigureOut">
               <a:rPr lang="en-IN" smtClean="0"/>
-              <a:t>23-08-2024</a:t>
+              <a:t>24-08-2024</a:t>
             </a:fld>
             <a:endParaRPr lang="en-IN"/>
           </a:p>
@@ -1979,7 +1984,7 @@
           <a:p>
             <a:fld id="{C4D4ED0E-ECC9-4380-8961-4E39140F52DB}" type="datetimeFigureOut">
               <a:rPr lang="en-IN" smtClean="0"/>
-              <a:t>23-08-2024</a:t>
+              <a:t>24-08-2024</a:t>
             </a:fld>
             <a:endParaRPr lang="en-IN"/>
           </a:p>
@@ -2092,7 +2097,7 @@
           <a:p>
             <a:fld id="{C4D4ED0E-ECC9-4380-8961-4E39140F52DB}" type="datetimeFigureOut">
               <a:rPr lang="en-IN" smtClean="0"/>
-              <a:t>23-08-2024</a:t>
+              <a:t>24-08-2024</a:t>
             </a:fld>
             <a:endParaRPr lang="en-IN"/>
           </a:p>
@@ -2405,7 +2410,7 @@
           <a:p>
             <a:fld id="{C4D4ED0E-ECC9-4380-8961-4E39140F52DB}" type="datetimeFigureOut">
               <a:rPr lang="en-IN" smtClean="0"/>
-              <a:t>23-08-2024</a:t>
+              <a:t>24-08-2024</a:t>
             </a:fld>
             <a:endParaRPr lang="en-IN"/>
           </a:p>
@@ -2694,7 +2699,7 @@
           <a:p>
             <a:fld id="{C4D4ED0E-ECC9-4380-8961-4E39140F52DB}" type="datetimeFigureOut">
               <a:rPr lang="en-IN" smtClean="0"/>
-              <a:t>23-08-2024</a:t>
+              <a:t>24-08-2024</a:t>
             </a:fld>
             <a:endParaRPr lang="en-IN"/>
           </a:p>
@@ -2937,7 +2942,7 @@
           <a:p>
             <a:fld id="{C4D4ED0E-ECC9-4380-8961-4E39140F52DB}" type="datetimeFigureOut">
               <a:rPr lang="en-IN" smtClean="0"/>
-              <a:t>23-08-2024</a:t>
+              <a:t>24-08-2024</a:t>
             </a:fld>
             <a:endParaRPr lang="en-IN"/>
           </a:p>
@@ -3980,39 +3985,6 @@
               <a:rPr lang="en-IN" dirty="0"/>
               <a:t>Thank You</a:t>
             </a:r>
-          </a:p>
-        </p:txBody>
-      </p:sp>
-      <p:sp>
-        <p:nvSpPr>
-          <p:cNvPr id="3" name="Content Placeholder 2">
-            <a:extLst>
-              <a:ext uri="{FF2B5EF4-FFF2-40B4-BE49-F238E27FC236}">
-                <a16:creationId xmlns:a16="http://schemas.microsoft.com/office/drawing/2014/main" id="{6E82B7C1-9BA2-D441-451D-1F7C6852DE0A}"/>
-              </a:ext>
-            </a:extLst>
-          </p:cNvPr>
-          <p:cNvSpPr>
-            <a:spLocks noGrp="1"/>
-          </p:cNvSpPr>
-          <p:nvPr>
-            <p:ph idx="1"/>
-          </p:nvPr>
-        </p:nvSpPr>
-        <p:spPr>
-          <a:xfrm>
-            <a:off x="838200" y="4571999"/>
-            <a:ext cx="10515600" cy="1604963"/>
-          </a:xfrm>
-        </p:spPr>
-        <p:txBody>
-          <a:bodyPr/>
-          <a:lstStyle/>
-          <a:p>
-            <a:pPr marL="0" indent="0">
-              <a:buNone/>
-            </a:pPr>
-            <a:endParaRPr lang="en-IN" dirty="0"/>
           </a:p>
         </p:txBody>
       </p:sp>
